--- a/SparkMove_DS_Presentation.pptx
+++ b/SparkMove_DS_Presentation.pptx
@@ -8869,7 +8869,27 @@
               <a:rPr lang="en"/>
               <a:t>Marketeers </a:t>
             </a:r>
-            <a:endParaRPr b="1" u="sng"/>
+            <a:endParaRPr/>
+          </a:p>
+          <a:p>
+            <a:pPr indent="-342900" lvl="0" marL="457200" rtl="0">
+              <a:lnSpc>
+                <a:spcPct val="115000"/>
+              </a:lnSpc>
+              <a:spcBef>
+                <a:spcPts val="0"/>
+              </a:spcBef>
+              <a:spcAft>
+                <a:spcPts val="0"/>
+              </a:spcAft>
+              <a:buSzPts val="1800"/>
+              <a:buAutoNum type="arabicPeriod"/>
+            </a:pPr>
+            <a:r>
+              <a:rPr lang="en"/>
+              <a:t>Real Estate organisations </a:t>
+            </a:r>
+            <a:endParaRPr/>
           </a:p>
           <a:p>
             <a:pPr indent="0" lvl="0" marL="0" rtl="0">
@@ -8924,7 +8944,7 @@
             </a:pPr>
             <a:r>
               <a:rPr lang="en"/>
-              <a:t>Public travellers  </a:t>
+              <a:t>Public Commuters  </a:t>
             </a:r>
             <a:endParaRPr/>
           </a:p>
@@ -9368,7 +9388,7 @@
             </a:pPr>
             <a:r>
               <a:rPr lang="en"/>
-              <a:t>Top 3 fastest routes per hour for an OD pair </a:t>
+              <a:t>List of alternate routes for an OD pair </a:t>
             </a:r>
             <a:endParaRPr/>
           </a:p>
